--- a/WorkingRecording.pptx
+++ b/WorkingRecording.pptx
@@ -8,7 +8,8 @@
     <p:sldId id="256" r:id="rId2"/>
     <p:sldId id="259" r:id="rId3"/>
     <p:sldId id="258" r:id="rId4"/>
-    <p:sldId id="257" r:id="rId5"/>
+    <p:sldId id="260" r:id="rId5"/>
+    <p:sldId id="257" r:id="rId6"/>
   </p:sldIdLst>
   <p:sldSz cx="12192000" cy="6858000"/>
   <p:notesSz cx="6858000" cy="9144000"/>
@@ -107,6 +108,11 @@
       </a:defRPr>
     </a:lvl9pPr>
   </p:defaultTextStyle>
+  <p:extLst>
+    <p:ext uri="{EFAFB233-063F-42B5-8137-9DF3F51BA10A}">
+      <p15:sldGuideLst xmlns:p15="http://schemas.microsoft.com/office/powerpoint/2012/main"/>
+    </p:ext>
+  </p:extLst>
 </p:presentation>
 </file>
 
@@ -257,7 +263,7 @@
           <a:p>
             <a:fld id="{D17AA530-B6F1-264A-8E62-BAFF555C7CDC}" type="datetimeFigureOut">
               <a:rPr kumimoji="1" lang="zh-CN" altLang="en-US" smtClean="0"/>
-              <a:t>2019/12/9</a:t>
+              <a:t>2019/12/22</a:t>
             </a:fld>
             <a:endParaRPr kumimoji="1" lang="zh-CN" altLang="en-US"/>
           </a:p>
@@ -455,7 +461,7 @@
           <a:p>
             <a:fld id="{D17AA530-B6F1-264A-8E62-BAFF555C7CDC}" type="datetimeFigureOut">
               <a:rPr kumimoji="1" lang="zh-CN" altLang="en-US" smtClean="0"/>
-              <a:t>2019/12/9</a:t>
+              <a:t>2019/12/22</a:t>
             </a:fld>
             <a:endParaRPr kumimoji="1" lang="zh-CN" altLang="en-US"/>
           </a:p>
@@ -663,7 +669,7 @@
           <a:p>
             <a:fld id="{D17AA530-B6F1-264A-8E62-BAFF555C7CDC}" type="datetimeFigureOut">
               <a:rPr kumimoji="1" lang="zh-CN" altLang="en-US" smtClean="0"/>
-              <a:t>2019/12/9</a:t>
+              <a:t>2019/12/22</a:t>
             </a:fld>
             <a:endParaRPr kumimoji="1" lang="zh-CN" altLang="en-US"/>
           </a:p>
@@ -861,7 +867,7 @@
           <a:p>
             <a:fld id="{D17AA530-B6F1-264A-8E62-BAFF555C7CDC}" type="datetimeFigureOut">
               <a:rPr kumimoji="1" lang="zh-CN" altLang="en-US" smtClean="0"/>
-              <a:t>2019/12/9</a:t>
+              <a:t>2019/12/22</a:t>
             </a:fld>
             <a:endParaRPr kumimoji="1" lang="zh-CN" altLang="en-US"/>
           </a:p>
@@ -1136,7 +1142,7 @@
           <a:p>
             <a:fld id="{D17AA530-B6F1-264A-8E62-BAFF555C7CDC}" type="datetimeFigureOut">
               <a:rPr kumimoji="1" lang="zh-CN" altLang="en-US" smtClean="0"/>
-              <a:t>2019/12/9</a:t>
+              <a:t>2019/12/22</a:t>
             </a:fld>
             <a:endParaRPr kumimoji="1" lang="zh-CN" altLang="en-US"/>
           </a:p>
@@ -1401,7 +1407,7 @@
           <a:p>
             <a:fld id="{D17AA530-B6F1-264A-8E62-BAFF555C7CDC}" type="datetimeFigureOut">
               <a:rPr kumimoji="1" lang="zh-CN" altLang="en-US" smtClean="0"/>
-              <a:t>2019/12/9</a:t>
+              <a:t>2019/12/22</a:t>
             </a:fld>
             <a:endParaRPr kumimoji="1" lang="zh-CN" altLang="en-US"/>
           </a:p>
@@ -1813,7 +1819,7 @@
           <a:p>
             <a:fld id="{D17AA530-B6F1-264A-8E62-BAFF555C7CDC}" type="datetimeFigureOut">
               <a:rPr kumimoji="1" lang="zh-CN" altLang="en-US" smtClean="0"/>
-              <a:t>2019/12/9</a:t>
+              <a:t>2019/12/22</a:t>
             </a:fld>
             <a:endParaRPr kumimoji="1" lang="zh-CN" altLang="en-US"/>
           </a:p>
@@ -1954,7 +1960,7 @@
           <a:p>
             <a:fld id="{D17AA530-B6F1-264A-8E62-BAFF555C7CDC}" type="datetimeFigureOut">
               <a:rPr kumimoji="1" lang="zh-CN" altLang="en-US" smtClean="0"/>
-              <a:t>2019/12/9</a:t>
+              <a:t>2019/12/22</a:t>
             </a:fld>
             <a:endParaRPr kumimoji="1" lang="zh-CN" altLang="en-US"/>
           </a:p>
@@ -2067,7 +2073,7 @@
           <a:p>
             <a:fld id="{D17AA530-B6F1-264A-8E62-BAFF555C7CDC}" type="datetimeFigureOut">
               <a:rPr kumimoji="1" lang="zh-CN" altLang="en-US" smtClean="0"/>
-              <a:t>2019/12/9</a:t>
+              <a:t>2019/12/22</a:t>
             </a:fld>
             <a:endParaRPr kumimoji="1" lang="zh-CN" altLang="en-US"/>
           </a:p>
@@ -2378,7 +2384,7 @@
           <a:p>
             <a:fld id="{D17AA530-B6F1-264A-8E62-BAFF555C7CDC}" type="datetimeFigureOut">
               <a:rPr kumimoji="1" lang="zh-CN" altLang="en-US" smtClean="0"/>
-              <a:t>2019/12/9</a:t>
+              <a:t>2019/12/22</a:t>
             </a:fld>
             <a:endParaRPr kumimoji="1" lang="zh-CN" altLang="en-US"/>
           </a:p>
@@ -2666,7 +2672,7 @@
           <a:p>
             <a:fld id="{D17AA530-B6F1-264A-8E62-BAFF555C7CDC}" type="datetimeFigureOut">
               <a:rPr kumimoji="1" lang="zh-CN" altLang="en-US" smtClean="0"/>
-              <a:t>2019/12/9</a:t>
+              <a:t>2019/12/22</a:t>
             </a:fld>
             <a:endParaRPr kumimoji="1" lang="zh-CN" altLang="en-US"/>
           </a:p>
@@ -2907,7 +2913,7 @@
           <a:p>
             <a:fld id="{D17AA530-B6F1-264A-8E62-BAFF555C7CDC}" type="datetimeFigureOut">
               <a:rPr kumimoji="1" lang="zh-CN" altLang="en-US" smtClean="0"/>
-              <a:t>2019/12/9</a:t>
+              <a:t>2019/12/22</a:t>
             </a:fld>
             <a:endParaRPr kumimoji="1" lang="zh-CN" altLang="en-US"/>
           </a:p>
@@ -3414,7 +3420,7 @@
         </p:blipFill>
         <p:spPr>
           <a:xfrm>
-            <a:off x="2630552" y="129157"/>
+            <a:off x="2630552" y="255616"/>
             <a:ext cx="7178080" cy="8740216"/>
           </a:xfrm>
           <a:prstGeom prst="rect">
@@ -3526,8 +3532,52 @@
           <a:p>
             <a:pPr algn="ctr"/>
             <a:r>
+              <a:rPr kumimoji="1" lang="en-US" altLang="zh-CN" dirty="0">
+                <a:solidFill>
+                  <a:srgbClr val="FF0000"/>
+                </a:solidFill>
+              </a:rPr>
+              <a:t>Error!</a:t>
+            </a:r>
+            <a:endParaRPr kumimoji="1" lang="zh-CN" altLang="en-US" dirty="0">
+              <a:solidFill>
+                <a:srgbClr val="FF0000"/>
+              </a:solidFill>
+            </a:endParaRPr>
+          </a:p>
+        </p:txBody>
+      </p:sp>
+      <p:sp>
+        <p:nvSpPr>
+          <p:cNvPr id="2" name="文本框 1">
+            <a:extLst>
+              <a:ext uri="{FF2B5EF4-FFF2-40B4-BE49-F238E27FC236}">
+                <a16:creationId xmlns:a16="http://schemas.microsoft.com/office/drawing/2014/main" id="{D9340896-E9CA-944A-96A5-5EF3FE201037}"/>
+              </a:ext>
+            </a:extLst>
+          </p:cNvPr>
+          <p:cNvSpPr txBox="1"/>
+          <p:nvPr/>
+        </p:nvSpPr>
+        <p:spPr>
+          <a:xfrm>
+            <a:off x="6219592" y="3613666"/>
+            <a:ext cx="1799617" cy="646331"/>
+          </a:xfrm>
+          <a:prstGeom prst="rect">
+            <a:avLst/>
+          </a:prstGeom>
+          <a:noFill/>
+        </p:spPr>
+        <p:txBody>
+          <a:bodyPr wrap="square" rtlCol="0">
+            <a:spAutoFit/>
+          </a:bodyPr>
+          <a:lstStyle/>
+          <a:p>
+            <a:r>
               <a:rPr kumimoji="1" lang="en-US" altLang="zh-CN" dirty="0"/>
-              <a:t>On</a:t>
+              <a:t>12/20</a:t>
             </a:r>
             <a:r>
               <a:rPr kumimoji="1" lang="zh-CN" altLang="en-US" dirty="0"/>
@@ -3535,8 +3585,10 @@
             </a:r>
             <a:r>
               <a:rPr kumimoji="1" lang="en-US" altLang="zh-CN" dirty="0"/>
-              <a:t>work</a:t>
-            </a:r>
+              <a:t>closed</a:t>
+            </a:r>
+          </a:p>
+          <a:p>
             <a:endParaRPr kumimoji="1" lang="zh-CN" altLang="en-US" dirty="0"/>
           </a:p>
         </p:txBody>
@@ -3856,6 +3908,112 @@
 </file>
 
 <file path=ppt/slides/slide4.xml><?xml version="1.0" encoding="utf-8"?>
+<p:sld xmlns:a="http://schemas.openxmlformats.org/drawingml/2006/main" xmlns:r="http://schemas.openxmlformats.org/officeDocument/2006/relationships" xmlns:p="http://schemas.openxmlformats.org/presentationml/2006/main">
+  <p:cSld>
+    <p:spTree>
+      <p:nvGrpSpPr>
+        <p:cNvPr id="1" name=""/>
+        <p:cNvGrpSpPr/>
+        <p:nvPr/>
+      </p:nvGrpSpPr>
+      <p:grpSpPr>
+        <a:xfrm>
+          <a:off x="0" y="0"/>
+          <a:ext cx="0" cy="0"/>
+          <a:chOff x="0" y="0"/>
+          <a:chExt cx="0" cy="0"/>
+        </a:xfrm>
+      </p:grpSpPr>
+      <p:pic>
+        <p:nvPicPr>
+          <p:cNvPr id="6" name="图片 5">
+            <a:extLst>
+              <a:ext uri="{FF2B5EF4-FFF2-40B4-BE49-F238E27FC236}">
+                <a16:creationId xmlns:a16="http://schemas.microsoft.com/office/drawing/2014/main" id="{0808B331-0918-5F45-B16F-CC785D742371}"/>
+              </a:ext>
+            </a:extLst>
+          </p:cNvPr>
+          <p:cNvPicPr>
+            <a:picLocks noChangeAspect="1"/>
+          </p:cNvPicPr>
+          <p:nvPr/>
+        </p:nvPicPr>
+        <p:blipFill>
+          <a:blip r:embed="rId2"/>
+          <a:stretch>
+            <a:fillRect/>
+          </a:stretch>
+        </p:blipFill>
+        <p:spPr>
+          <a:xfrm>
+            <a:off x="2626659" y="186818"/>
+            <a:ext cx="6938682" cy="6858000"/>
+          </a:xfrm>
+          <a:prstGeom prst="rect">
+            <a:avLst/>
+          </a:prstGeom>
+        </p:spPr>
+      </p:pic>
+      <p:sp>
+        <p:nvSpPr>
+          <p:cNvPr id="7" name="文本框 6">
+            <a:extLst>
+              <a:ext uri="{FF2B5EF4-FFF2-40B4-BE49-F238E27FC236}">
+                <a16:creationId xmlns:a16="http://schemas.microsoft.com/office/drawing/2014/main" id="{4029D083-E980-D149-971F-413C4DE58380}"/>
+              </a:ext>
+            </a:extLst>
+          </p:cNvPr>
+          <p:cNvSpPr txBox="1"/>
+          <p:nvPr/>
+        </p:nvSpPr>
+        <p:spPr>
+          <a:xfrm>
+            <a:off x="6290553" y="3535844"/>
+            <a:ext cx="1799617" cy="646331"/>
+          </a:xfrm>
+          <a:prstGeom prst="rect">
+            <a:avLst/>
+          </a:prstGeom>
+          <a:noFill/>
+        </p:spPr>
+        <p:txBody>
+          <a:bodyPr wrap="square" rtlCol="0">
+            <a:spAutoFit/>
+          </a:bodyPr>
+          <a:lstStyle/>
+          <a:p>
+            <a:r>
+              <a:rPr kumimoji="1" lang="en-US" altLang="zh-CN" dirty="0"/>
+              <a:t>12/21</a:t>
+            </a:r>
+            <a:r>
+              <a:rPr kumimoji="1" lang="zh-CN" altLang="en-US" dirty="0"/>
+              <a:t> </a:t>
+            </a:r>
+            <a:r>
+              <a:rPr kumimoji="1" lang="en-US" altLang="zh-CN" dirty="0"/>
+              <a:t>open</a:t>
+            </a:r>
+          </a:p>
+          <a:p>
+            <a:endParaRPr kumimoji="1" lang="zh-CN" altLang="en-US" dirty="0"/>
+          </a:p>
+        </p:txBody>
+      </p:sp>
+    </p:spTree>
+    <p:extLst>
+      <p:ext uri="{BB962C8B-B14F-4D97-AF65-F5344CB8AC3E}">
+        <p14:creationId xmlns:p14="http://schemas.microsoft.com/office/powerpoint/2010/main" val="2077117754"/>
+      </p:ext>
+    </p:extLst>
+  </p:cSld>
+  <p:clrMapOvr>
+    <a:masterClrMapping/>
+  </p:clrMapOvr>
+</p:sld>
+</file>
+
+<file path=ppt/slides/slide5.xml><?xml version="1.0" encoding="utf-8"?>
 <p:sld xmlns:a="http://schemas.openxmlformats.org/drawingml/2006/main" xmlns:r="http://schemas.openxmlformats.org/officeDocument/2006/relationships" xmlns:p="http://schemas.openxmlformats.org/presentationml/2006/main">
   <p:cSld>
     <p:spTree>

--- a/WorkingRecording.pptx
+++ b/WorkingRecording.pptx
@@ -263,7 +263,7 @@
           <a:p>
             <a:fld id="{D17AA530-B6F1-264A-8E62-BAFF555C7CDC}" type="datetimeFigureOut">
               <a:rPr kumimoji="1" lang="zh-CN" altLang="en-US" smtClean="0"/>
-              <a:t>2019/12/22</a:t>
+              <a:t>2020/1/27</a:t>
             </a:fld>
             <a:endParaRPr kumimoji="1" lang="zh-CN" altLang="en-US"/>
           </a:p>
@@ -461,7 +461,7 @@
           <a:p>
             <a:fld id="{D17AA530-B6F1-264A-8E62-BAFF555C7CDC}" type="datetimeFigureOut">
               <a:rPr kumimoji="1" lang="zh-CN" altLang="en-US" smtClean="0"/>
-              <a:t>2019/12/22</a:t>
+              <a:t>2020/1/27</a:t>
             </a:fld>
             <a:endParaRPr kumimoji="1" lang="zh-CN" altLang="en-US"/>
           </a:p>
@@ -669,7 +669,7 @@
           <a:p>
             <a:fld id="{D17AA530-B6F1-264A-8E62-BAFF555C7CDC}" type="datetimeFigureOut">
               <a:rPr kumimoji="1" lang="zh-CN" altLang="en-US" smtClean="0"/>
-              <a:t>2019/12/22</a:t>
+              <a:t>2020/1/27</a:t>
             </a:fld>
             <a:endParaRPr kumimoji="1" lang="zh-CN" altLang="en-US"/>
           </a:p>
@@ -867,7 +867,7 @@
           <a:p>
             <a:fld id="{D17AA530-B6F1-264A-8E62-BAFF555C7CDC}" type="datetimeFigureOut">
               <a:rPr kumimoji="1" lang="zh-CN" altLang="en-US" smtClean="0"/>
-              <a:t>2019/12/22</a:t>
+              <a:t>2020/1/27</a:t>
             </a:fld>
             <a:endParaRPr kumimoji="1" lang="zh-CN" altLang="en-US"/>
           </a:p>
@@ -1142,7 +1142,7 @@
           <a:p>
             <a:fld id="{D17AA530-B6F1-264A-8E62-BAFF555C7CDC}" type="datetimeFigureOut">
               <a:rPr kumimoji="1" lang="zh-CN" altLang="en-US" smtClean="0"/>
-              <a:t>2019/12/22</a:t>
+              <a:t>2020/1/27</a:t>
             </a:fld>
             <a:endParaRPr kumimoji="1" lang="zh-CN" altLang="en-US"/>
           </a:p>
@@ -1407,7 +1407,7 @@
           <a:p>
             <a:fld id="{D17AA530-B6F1-264A-8E62-BAFF555C7CDC}" type="datetimeFigureOut">
               <a:rPr kumimoji="1" lang="zh-CN" altLang="en-US" smtClean="0"/>
-              <a:t>2019/12/22</a:t>
+              <a:t>2020/1/27</a:t>
             </a:fld>
             <a:endParaRPr kumimoji="1" lang="zh-CN" altLang="en-US"/>
           </a:p>
@@ -1819,7 +1819,7 @@
           <a:p>
             <a:fld id="{D17AA530-B6F1-264A-8E62-BAFF555C7CDC}" type="datetimeFigureOut">
               <a:rPr kumimoji="1" lang="zh-CN" altLang="en-US" smtClean="0"/>
-              <a:t>2019/12/22</a:t>
+              <a:t>2020/1/27</a:t>
             </a:fld>
             <a:endParaRPr kumimoji="1" lang="zh-CN" altLang="en-US"/>
           </a:p>
@@ -1960,7 +1960,7 @@
           <a:p>
             <a:fld id="{D17AA530-B6F1-264A-8E62-BAFF555C7CDC}" type="datetimeFigureOut">
               <a:rPr kumimoji="1" lang="zh-CN" altLang="en-US" smtClean="0"/>
-              <a:t>2019/12/22</a:t>
+              <a:t>2020/1/27</a:t>
             </a:fld>
             <a:endParaRPr kumimoji="1" lang="zh-CN" altLang="en-US"/>
           </a:p>
@@ -2073,7 +2073,7 @@
           <a:p>
             <a:fld id="{D17AA530-B6F1-264A-8E62-BAFF555C7CDC}" type="datetimeFigureOut">
               <a:rPr kumimoji="1" lang="zh-CN" altLang="en-US" smtClean="0"/>
-              <a:t>2019/12/22</a:t>
+              <a:t>2020/1/27</a:t>
             </a:fld>
             <a:endParaRPr kumimoji="1" lang="zh-CN" altLang="en-US"/>
           </a:p>
@@ -2384,7 +2384,7 @@
           <a:p>
             <a:fld id="{D17AA530-B6F1-264A-8E62-BAFF555C7CDC}" type="datetimeFigureOut">
               <a:rPr kumimoji="1" lang="zh-CN" altLang="en-US" smtClean="0"/>
-              <a:t>2019/12/22</a:t>
+              <a:t>2020/1/27</a:t>
             </a:fld>
             <a:endParaRPr kumimoji="1" lang="zh-CN" altLang="en-US"/>
           </a:p>
@@ -2672,7 +2672,7 @@
           <a:p>
             <a:fld id="{D17AA530-B6F1-264A-8E62-BAFF555C7CDC}" type="datetimeFigureOut">
               <a:rPr kumimoji="1" lang="zh-CN" altLang="en-US" smtClean="0"/>
-              <a:t>2019/12/22</a:t>
+              <a:t>2020/1/27</a:t>
             </a:fld>
             <a:endParaRPr kumimoji="1" lang="zh-CN" altLang="en-US"/>
           </a:p>
@@ -2913,7 +2913,7 @@
           <a:p>
             <a:fld id="{D17AA530-B6F1-264A-8E62-BAFF555C7CDC}" type="datetimeFigureOut">
               <a:rPr kumimoji="1" lang="zh-CN" altLang="en-US" smtClean="0"/>
-              <a:t>2019/12/22</a:t>
+              <a:t>2020/1/27</a:t>
             </a:fld>
             <a:endParaRPr kumimoji="1" lang="zh-CN" altLang="en-US"/>
           </a:p>
@@ -3485,70 +3485,6 @@
       </p:sp>
       <p:sp>
         <p:nvSpPr>
-          <p:cNvPr id="17" name="圆角矩形 16">
-            <a:extLst>
-              <a:ext uri="{FF2B5EF4-FFF2-40B4-BE49-F238E27FC236}">
-                <a16:creationId xmlns:a16="http://schemas.microsoft.com/office/drawing/2014/main" id="{29A286BE-3208-2946-9004-4C65564BD2E4}"/>
-              </a:ext>
-            </a:extLst>
-          </p:cNvPr>
-          <p:cNvSpPr/>
-          <p:nvPr/>
-        </p:nvSpPr>
-        <p:spPr>
-          <a:xfrm>
-            <a:off x="6585995" y="3136739"/>
-            <a:ext cx="937549" cy="476927"/>
-          </a:xfrm>
-          <a:prstGeom prst="roundRect">
-            <a:avLst/>
-          </a:prstGeom>
-          <a:solidFill>
-            <a:schemeClr val="accent5">
-              <a:lumMod val="60000"/>
-              <a:lumOff val="40000"/>
-            </a:schemeClr>
-          </a:solidFill>
-        </p:spPr>
-        <p:style>
-          <a:lnRef idx="2">
-            <a:schemeClr val="accent1">
-              <a:shade val="50000"/>
-            </a:schemeClr>
-          </a:lnRef>
-          <a:fillRef idx="1">
-            <a:schemeClr val="accent1"/>
-          </a:fillRef>
-          <a:effectRef idx="0">
-            <a:schemeClr val="accent1"/>
-          </a:effectRef>
-          <a:fontRef idx="minor">
-            <a:schemeClr val="lt1"/>
-          </a:fontRef>
-        </p:style>
-        <p:txBody>
-          <a:bodyPr rtlCol="0" anchor="ctr"/>
-          <a:lstStyle/>
-          <a:p>
-            <a:pPr algn="ctr"/>
-            <a:r>
-              <a:rPr kumimoji="1" lang="en-US" altLang="zh-CN" dirty="0">
-                <a:solidFill>
-                  <a:srgbClr val="FF0000"/>
-                </a:solidFill>
-              </a:rPr>
-              <a:t>Error!</a:t>
-            </a:r>
-            <a:endParaRPr kumimoji="1" lang="zh-CN" altLang="en-US" dirty="0">
-              <a:solidFill>
-                <a:srgbClr val="FF0000"/>
-              </a:solidFill>
-            </a:endParaRPr>
-          </a:p>
-        </p:txBody>
-      </p:sp>
-      <p:sp>
-        <p:nvSpPr>
           <p:cNvPr id="2" name="文本框 1">
             <a:extLst>
               <a:ext uri="{FF2B5EF4-FFF2-40B4-BE49-F238E27FC236}">
@@ -3997,6 +3933,116 @@
           </a:p>
           <a:p>
             <a:endParaRPr kumimoji="1" lang="zh-CN" altLang="en-US" dirty="0"/>
+          </a:p>
+        </p:txBody>
+      </p:sp>
+      <p:sp>
+        <p:nvSpPr>
+          <p:cNvPr id="4" name="圆角矩形 3">
+            <a:extLst>
+              <a:ext uri="{FF2B5EF4-FFF2-40B4-BE49-F238E27FC236}">
+                <a16:creationId xmlns:a16="http://schemas.microsoft.com/office/drawing/2014/main" id="{D8A92658-E958-C34E-A62D-BB5CB963482A}"/>
+              </a:ext>
+            </a:extLst>
+          </p:cNvPr>
+          <p:cNvSpPr/>
+          <p:nvPr/>
+        </p:nvSpPr>
+        <p:spPr>
+          <a:xfrm>
+            <a:off x="6539653" y="2288710"/>
+            <a:ext cx="863600" cy="369332"/>
+          </a:xfrm>
+          <a:prstGeom prst="roundRect">
+            <a:avLst/>
+          </a:prstGeom>
+          <a:solidFill>
+            <a:schemeClr val="accent5">
+              <a:lumMod val="60000"/>
+              <a:lumOff val="40000"/>
+            </a:schemeClr>
+          </a:solidFill>
+        </p:spPr>
+        <p:style>
+          <a:lnRef idx="2">
+            <a:schemeClr val="accent1">
+              <a:shade val="50000"/>
+            </a:schemeClr>
+          </a:lnRef>
+          <a:fillRef idx="1">
+            <a:schemeClr val="accent1"/>
+          </a:fillRef>
+          <a:effectRef idx="0">
+            <a:schemeClr val="accent1"/>
+          </a:effectRef>
+          <a:fontRef idx="minor">
+            <a:schemeClr val="lt1"/>
+          </a:fontRef>
+        </p:style>
+        <p:txBody>
+          <a:bodyPr rtlCol="0" anchor="ctr"/>
+          <a:lstStyle/>
+          <a:p>
+            <a:pPr algn="ctr"/>
+            <a:r>
+              <a:rPr kumimoji="1" lang="zh-CN" altLang="en-US" dirty="0"/>
+              <a:t>完成</a:t>
+            </a:r>
+          </a:p>
+        </p:txBody>
+      </p:sp>
+      <p:sp>
+        <p:nvSpPr>
+          <p:cNvPr id="5" name="圆角矩形 4">
+            <a:extLst>
+              <a:ext uri="{FF2B5EF4-FFF2-40B4-BE49-F238E27FC236}">
+                <a16:creationId xmlns:a16="http://schemas.microsoft.com/office/drawing/2014/main" id="{E2094148-E1D5-8B4E-8079-A0DB4DF1F2B4}"/>
+              </a:ext>
+            </a:extLst>
+          </p:cNvPr>
+          <p:cNvSpPr/>
+          <p:nvPr/>
+        </p:nvSpPr>
+        <p:spPr>
+          <a:xfrm>
+            <a:off x="6823117" y="3166512"/>
+            <a:ext cx="863600" cy="369332"/>
+          </a:xfrm>
+          <a:prstGeom prst="roundRect">
+            <a:avLst/>
+          </a:prstGeom>
+          <a:solidFill>
+            <a:schemeClr val="accent5">
+              <a:lumMod val="60000"/>
+              <a:lumOff val="40000"/>
+            </a:schemeClr>
+          </a:solidFill>
+        </p:spPr>
+        <p:style>
+          <a:lnRef idx="2">
+            <a:schemeClr val="accent1">
+              <a:shade val="50000"/>
+            </a:schemeClr>
+          </a:lnRef>
+          <a:fillRef idx="1">
+            <a:schemeClr val="accent1"/>
+          </a:fillRef>
+          <a:effectRef idx="0">
+            <a:schemeClr val="accent1"/>
+          </a:effectRef>
+          <a:fontRef idx="minor">
+            <a:schemeClr val="lt1"/>
+          </a:fontRef>
+        </p:style>
+        <p:txBody>
+          <a:bodyPr rtlCol="0" anchor="ctr"/>
+          <a:lstStyle/>
+          <a:p>
+            <a:pPr algn="ctr"/>
+            <a:r>
+              <a:rPr kumimoji="1" lang="zh-CN" altLang="en-US" dirty="0"/>
+              <a:t>完成</a:t>
+            </a:r>
           </a:p>
         </p:txBody>
       </p:sp>
